--- a/slides/Tag-2_5-Bestandteile_Ressources.pptx
+++ b/slides/Tag-2_5-Bestandteile_Ressources.pptx
@@ -185,10 +185,6 @@
     </p:ext>
   </p:extLst>
 </p:presentation>
-</file>
-
-<file path=ppt/revisionInfo.xml><?xml version="1.0" encoding="utf-8"?>
-<p1510:revInfo xmlns:a="http://schemas.openxmlformats.org/drawingml/2006/main" xmlns:r="http://schemas.openxmlformats.org/officeDocument/2006/relationships" xmlns:p1510="http://schemas.microsoft.com/office/powerpoint/2015/10/main"/>
 </file>
 
 <file path=ppt/handoutMasters/handoutMaster1.xml><?xml version="1.0" encoding="utf-8"?>
@@ -4938,7 +4934,7 @@
               <a:pPr algn="ctr">
                 <a:defRPr/>
               </a:pPr>
-              <a:t>16.06.2017</a:t>
+              <a:t>15.03.2019</a:t>
             </a:fld>
             <a:endParaRPr lang="de-DE" sz="1000" dirty="0">
               <a:solidFill>
@@ -6863,6 +6859,10 @@
             </a:r>
           </a:p>
           <a:p>
+            <a:pPr>
+              <a:buFont typeface="Arial" panose="020B0604020202020204" pitchFamily="34" charset="0"/>
+              <a:buChar char="•"/>
+            </a:pPr>
             <a:r>
               <a:rPr lang="de-DE" sz="2000" dirty="0"/>
               <a:t>Zugriff auf </a:t>
@@ -6885,15 +6885,27 @@
             </a:r>
           </a:p>
           <a:p>
+            <a:pPr>
+              <a:buFont typeface="Arial" panose="020B0604020202020204" pitchFamily="34" charset="0"/>
+              <a:buChar char="•"/>
+            </a:pPr>
             <a:r>
               <a:rPr lang="de-DE" sz="2000" dirty="0"/>
               <a:t>Laden von Daten aus dem Dateisystem</a:t>
             </a:r>
           </a:p>
           <a:p>
+            <a:pPr>
+              <a:buFont typeface="Arial" panose="020B0604020202020204" pitchFamily="34" charset="0"/>
+              <a:buChar char="•"/>
+            </a:pPr>
             <a:endParaRPr lang="de-DE" sz="2000" dirty="0"/>
           </a:p>
           <a:p>
+            <a:pPr>
+              <a:buFont typeface="Arial" panose="020B0604020202020204" pitchFamily="34" charset="0"/>
+              <a:buChar char="•"/>
+            </a:pPr>
             <a:r>
               <a:rPr lang="de-DE" sz="2000" dirty="0"/>
               <a:t>HTML</a:t>
@@ -7015,6 +7027,10 @@
             <a:endParaRPr lang="de-DE" sz="2000" dirty="0"/>
           </a:p>
           <a:p>
+            <a:pPr>
+              <a:buFont typeface="Arial" panose="020B0604020202020204" pitchFamily="34" charset="0"/>
+              <a:buChar char="•"/>
+            </a:pPr>
             <a:r>
               <a:rPr lang="de-DE" sz="2000" dirty="0"/>
               <a:t>Java</a:t>
@@ -7661,12 +7677,20 @@
             </a:r>
           </a:p>
           <a:p>
+            <a:pPr>
+              <a:buFont typeface="Arial" panose="020B0604020202020204" pitchFamily="34" charset="0"/>
+              <a:buChar char="•"/>
+            </a:pPr>
             <a:r>
               <a:rPr lang="de-DE" sz="2000" dirty="0"/>
               <a:t>Einbindung dynamisch zu erstellender Inhalte</a:t>
             </a:r>
           </a:p>
           <a:p>
+            <a:pPr>
+              <a:buFont typeface="Arial" panose="020B0604020202020204" pitchFamily="34" charset="0"/>
+              <a:buChar char="•"/>
+            </a:pPr>
             <a:r>
               <a:rPr lang="de-DE" sz="2000" dirty="0"/>
               <a:t>Erzeugung bei Bedarf durch </a:t>
@@ -7678,6 +7702,10 @@
             <a:endParaRPr lang="de-DE" sz="2000" dirty="0"/>
           </a:p>
           <a:p>
+            <a:pPr>
+              <a:buFont typeface="Arial" panose="020B0604020202020204" pitchFamily="34" charset="0"/>
+              <a:buChar char="•"/>
+            </a:pPr>
             <a:r>
               <a:rPr lang="de-DE" sz="2000" dirty="0"/>
               <a:t>Direkter Zugriff auf </a:t>
@@ -9549,12 +9577,20 @@
             </a:r>
           </a:p>
           <a:p>
+            <a:pPr>
+              <a:buFont typeface="Arial" panose="020B0604020202020204" pitchFamily="34" charset="0"/>
+              <a:buChar char="•"/>
+            </a:pPr>
             <a:r>
               <a:rPr lang="de-DE" sz="2000" dirty="0"/>
               <a:t>Applikationsweit verfügbare Ressourcen</a:t>
             </a:r>
           </a:p>
           <a:p>
+            <a:pPr>
+              <a:buFont typeface="Arial" panose="020B0604020202020204" pitchFamily="34" charset="0"/>
+              <a:buChar char="•"/>
+            </a:pPr>
             <a:r>
               <a:rPr lang="de-DE" sz="2000" dirty="0"/>
               <a:t>Registrierung in </a:t>
@@ -9569,6 +9605,10 @@
             </a:r>
           </a:p>
           <a:p>
+            <a:pPr>
+              <a:buFont typeface="Arial" panose="020B0604020202020204" pitchFamily="34" charset="0"/>
+              <a:buChar char="•"/>
+            </a:pPr>
             <a:r>
               <a:rPr lang="de-DE" sz="2000" dirty="0"/>
               <a:t>Einbindung nach Bedarf</a:t>
@@ -9676,6 +9716,10 @@
             </a:r>
           </a:p>
           <a:p>
+            <a:pPr>
+              <a:buFont typeface="Arial" panose="020B0604020202020204" pitchFamily="34" charset="0"/>
+              <a:buChar char="•"/>
+            </a:pPr>
             <a:r>
               <a:rPr lang="de-DE" sz="2000" dirty="0" err="1"/>
               <a:t>Application</a:t>
@@ -10067,6 +10111,10 @@
             </a:endParaRPr>
           </a:p>
           <a:p>
+            <a:pPr>
+              <a:buFont typeface="Arial" panose="020B0604020202020204" pitchFamily="34" charset="0"/>
+              <a:buChar char="•"/>
+            </a:pPr>
             <a:r>
               <a:rPr lang="de-DE" altLang="de-DE" sz="2000" dirty="0">
                 <a:solidFill>
@@ -10382,12 +10430,20 @@
             </a:r>
           </a:p>
           <a:p>
+            <a:pPr>
+              <a:buFont typeface="Arial" panose="020B0604020202020204" pitchFamily="34" charset="0"/>
+              <a:buChar char="•"/>
+            </a:pPr>
             <a:r>
               <a:rPr lang="de-DE" sz="2000" dirty="0"/>
               <a:t>Resources: CSS, JS, PDF, Images, …</a:t>
             </a:r>
           </a:p>
           <a:p>
+            <a:pPr>
+              <a:buFont typeface="Arial" panose="020B0604020202020204" pitchFamily="34" charset="0"/>
+              <a:buChar char="•"/>
+            </a:pPr>
             <a:r>
               <a:rPr lang="de-DE" sz="2000" dirty="0"/>
               <a:t>OO-Repräsentation: </a:t>
@@ -10399,6 +10455,10 @@
             <a:endParaRPr lang="de-DE" sz="2000" i="1" dirty="0"/>
           </a:p>
           <a:p>
+            <a:pPr>
+              <a:buFont typeface="Arial" panose="020B0604020202020204" pitchFamily="34" charset="0"/>
+              <a:buChar char="•"/>
+            </a:pPr>
             <a:r>
               <a:rPr lang="de-DE" sz="2000" dirty="0"/>
               <a:t>Statische </a:t>
@@ -10410,14 +10470,20 @@
             <a:endParaRPr lang="de-DE" sz="2000" dirty="0"/>
           </a:p>
           <a:p>
-            <a:pPr lvl="1"/>
+            <a:pPr lvl="1">
+              <a:buFont typeface="Arial" panose="020B0604020202020204" pitchFamily="34" charset="0"/>
+              <a:buChar char="•"/>
+            </a:pPr>
             <a:r>
               <a:rPr lang="de-DE" sz="1600" dirty="0"/>
               <a:t>Package Resources</a:t>
             </a:r>
           </a:p>
           <a:p>
-            <a:pPr lvl="1"/>
+            <a:pPr lvl="1">
+              <a:buFont typeface="Arial" panose="020B0604020202020204" pitchFamily="34" charset="0"/>
+              <a:buChar char="•"/>
+            </a:pPr>
             <a:r>
               <a:rPr lang="de-DE" sz="1600" dirty="0" err="1"/>
               <a:t>HeaderContributors</a:t>
@@ -10425,7 +10491,10 @@
             <a:endParaRPr lang="de-DE" sz="1600" dirty="0"/>
           </a:p>
           <a:p>
-            <a:pPr lvl="1"/>
+            <a:pPr lvl="1">
+              <a:buFont typeface="Arial" panose="020B0604020202020204" pitchFamily="34" charset="0"/>
+              <a:buChar char="•"/>
+            </a:pPr>
             <a:r>
               <a:rPr lang="de-DE" sz="1600" dirty="0" err="1"/>
               <a:t>Resource</a:t>
@@ -10436,13 +10505,20 @@
             </a:r>
           </a:p>
           <a:p>
-            <a:pPr lvl="1"/>
+            <a:pPr lvl="1">
+              <a:buFont typeface="Arial" panose="020B0604020202020204" pitchFamily="34" charset="0"/>
+              <a:buChar char="•"/>
+            </a:pPr>
             <a:r>
               <a:rPr lang="de-DE" sz="1600" dirty="0"/>
               <a:t>NIO Resources</a:t>
             </a:r>
           </a:p>
           <a:p>
+            <a:pPr>
+              <a:buFont typeface="Arial" panose="020B0604020202020204" pitchFamily="34" charset="0"/>
+              <a:buChar char="•"/>
+            </a:pPr>
             <a:r>
               <a:rPr lang="de-DE" sz="2000" dirty="0"/>
               <a:t>Dynamische </a:t>
@@ -10454,20 +10530,30 @@
             <a:endParaRPr lang="de-DE" sz="2000" dirty="0"/>
           </a:p>
           <a:p>
-            <a:pPr lvl="1"/>
+            <a:pPr lvl="1">
+              <a:buFont typeface="Arial" panose="020B0604020202020204" pitchFamily="34" charset="0"/>
+              <a:buChar char="•"/>
+            </a:pPr>
             <a:r>
               <a:rPr lang="de-DE" sz="1600" dirty="0"/>
               <a:t>Custom Resources</a:t>
             </a:r>
           </a:p>
           <a:p>
-            <a:pPr lvl="1"/>
+            <a:pPr lvl="1">
+              <a:buFont typeface="Arial" panose="020B0604020202020204" pitchFamily="34" charset="0"/>
+              <a:buChar char="•"/>
+            </a:pPr>
             <a:r>
               <a:rPr lang="de-DE" sz="1600" dirty="0"/>
               <a:t>JAX-RS-Annotationen</a:t>
             </a:r>
           </a:p>
           <a:p>
+            <a:pPr>
+              <a:buFont typeface="Arial" panose="020B0604020202020204" pitchFamily="34" charset="0"/>
+              <a:buChar char="•"/>
+            </a:pPr>
             <a:r>
               <a:rPr lang="de-DE" sz="2000" dirty="0" err="1"/>
               <a:t>Mounting</a:t>
@@ -10478,6 +10564,10 @@
             </a:r>
           </a:p>
           <a:p>
+            <a:pPr>
+              <a:buFont typeface="Arial" panose="020B0604020202020204" pitchFamily="34" charset="0"/>
+              <a:buChar char="•"/>
+            </a:pPr>
             <a:r>
               <a:rPr lang="de-DE" sz="2000" dirty="0" err="1"/>
               <a:t>Shared</a:t>
@@ -10575,6 +10665,10 @@
             </a:r>
           </a:p>
           <a:p>
+            <a:pPr>
+              <a:buFont typeface="Arial" panose="020B0604020202020204" pitchFamily="34" charset="0"/>
+              <a:buChar char="•"/>
+            </a:pPr>
             <a:r>
               <a:rPr lang="de-DE" sz="2000" dirty="0" err="1"/>
               <a:t>Resourcen</a:t>
@@ -10585,12 +10679,20 @@
             </a:r>
           </a:p>
           <a:p>
+            <a:pPr>
+              <a:buFont typeface="Arial" panose="020B0604020202020204" pitchFamily="34" charset="0"/>
+              <a:buChar char="•"/>
+            </a:pPr>
             <a:r>
               <a:rPr lang="de-DE" sz="2000" dirty="0"/>
               <a:t>Distribution mit Komponenten (→ Abgeschlossenheit)</a:t>
             </a:r>
           </a:p>
           <a:p>
+            <a:pPr>
+              <a:buFont typeface="Arial" panose="020B0604020202020204" pitchFamily="34" charset="0"/>
+              <a:buChar char="•"/>
+            </a:pPr>
             <a:r>
               <a:rPr lang="de-DE" sz="2000" dirty="0" err="1"/>
               <a:t>PackageResourceReference</a:t>
@@ -10598,6 +10700,10 @@
             <a:endParaRPr lang="de-DE" sz="2000" dirty="0"/>
           </a:p>
           <a:p>
+            <a:pPr>
+              <a:buFont typeface="Arial" panose="020B0604020202020204" pitchFamily="34" charset="0"/>
+              <a:buChar char="•"/>
+            </a:pPr>
             <a:r>
               <a:rPr lang="de-DE" sz="2000" dirty="0"/>
               <a:t>Images: </a:t>
@@ -10612,14 +10718,20 @@
             </a:r>
           </a:p>
           <a:p>
-            <a:pPr lvl="0"/>
+            <a:pPr lvl="0">
+              <a:buFont typeface="Arial" panose="020B0604020202020204" pitchFamily="34" charset="0"/>
+              <a:buChar char="•"/>
+            </a:pPr>
             <a:r>
               <a:rPr lang="de-DE" sz="2000" dirty="0"/>
               <a:t>URL</a:t>
             </a:r>
           </a:p>
           <a:p>
-            <a:pPr lvl="1"/>
+            <a:pPr lvl="1">
+              <a:buFont typeface="Arial" panose="020B0604020202020204" pitchFamily="34" charset="0"/>
+              <a:buChar char="•"/>
+            </a:pPr>
             <a:r>
               <a:rPr lang="de-DE" altLang="de-DE" sz="1600" dirty="0">
                 <a:latin typeface="Arial Unicode MS" panose="020B0604020202020204" pitchFamily="34" charset="-128"/>
@@ -10728,7 +10840,10 @@
             </a:r>
           </a:p>
           <a:p>
-            <a:pPr lvl="1"/>
+            <a:pPr lvl="1">
+              <a:buFont typeface="Arial" panose="020B0604020202020204" pitchFamily="34" charset="0"/>
+              <a:buChar char="•"/>
+            </a:pPr>
             <a:r>
               <a:rPr lang="de-DE" altLang="de-DE" sz="1600" dirty="0">
                 <a:latin typeface="Arial Unicode MS" panose="020B0604020202020204" pitchFamily="34" charset="-128"/>
@@ -10897,6 +11012,10 @@
             </a:r>
           </a:p>
           <a:p>
+            <a:pPr>
+              <a:buFont typeface="Arial" panose="020B0604020202020204" pitchFamily="34" charset="0"/>
+              <a:buChar char="•"/>
+            </a:pPr>
             <a:r>
               <a:rPr lang="de-DE" sz="2000" dirty="0"/>
               <a:t>HTML</a:t>
@@ -11505,6 +11624,10 @@
             </a:r>
           </a:p>
           <a:p>
+            <a:pPr>
+              <a:buFont typeface="Arial" panose="020B0604020202020204" pitchFamily="34" charset="0"/>
+              <a:buChar char="•"/>
+            </a:pPr>
             <a:r>
               <a:rPr lang="de-DE" sz="2000" dirty="0"/>
               <a:t>Java</a:t>
@@ -12686,6 +12809,10 @@
             <a:endParaRPr lang="de-DE" sz="2000" b="1" dirty="0"/>
           </a:p>
           <a:p>
+            <a:pPr>
+              <a:buFont typeface="Arial" panose="020B0604020202020204" pitchFamily="34" charset="0"/>
+              <a:buChar char="•"/>
+            </a:pPr>
             <a:r>
               <a:rPr lang="de-DE" sz="2000" dirty="0"/>
               <a:t>Interface </a:t>
@@ -12697,13 +12824,20 @@
             <a:endParaRPr lang="de-DE" sz="2000" dirty="0"/>
           </a:p>
           <a:p>
+            <a:pPr>
+              <a:buFont typeface="Arial" panose="020B0604020202020204" pitchFamily="34" charset="0"/>
+              <a:buChar char="•"/>
+            </a:pPr>
             <a:r>
               <a:rPr lang="de-DE" sz="2000" dirty="0"/>
               <a:t>Einfügen von Header Items in umgebende Page</a:t>
             </a:r>
           </a:p>
           <a:p>
-            <a:pPr lvl="1"/>
+            <a:pPr lvl="1">
+              <a:buFont typeface="Arial" panose="020B0604020202020204" pitchFamily="34" charset="0"/>
+              <a:buChar char="•"/>
+            </a:pPr>
             <a:r>
               <a:rPr lang="de-DE" sz="1600" dirty="0" err="1"/>
               <a:t>CSSHeaderItem</a:t>
@@ -12711,7 +12845,10 @@
             <a:endParaRPr lang="de-DE" sz="1600" dirty="0"/>
           </a:p>
           <a:p>
-            <a:pPr lvl="1"/>
+            <a:pPr lvl="1">
+              <a:buFont typeface="Arial" panose="020B0604020202020204" pitchFamily="34" charset="0"/>
+              <a:buChar char="•"/>
+            </a:pPr>
             <a:r>
               <a:rPr lang="de-DE" sz="1600" dirty="0" err="1"/>
               <a:t>JavaScriptHeaderItem</a:t>
@@ -12719,7 +12856,10 @@
             <a:endParaRPr lang="de-DE" sz="1600" dirty="0"/>
           </a:p>
           <a:p>
-            <a:pPr lvl="1"/>
+            <a:pPr lvl="1">
+              <a:buFont typeface="Arial" panose="020B0604020202020204" pitchFamily="34" charset="0"/>
+              <a:buChar char="•"/>
+            </a:pPr>
             <a:r>
               <a:rPr lang="de-DE" sz="1600" dirty="0" err="1"/>
               <a:t>MetaDataHeaderItem</a:t>
@@ -12727,7 +12867,10 @@
             <a:endParaRPr lang="de-DE" sz="1600" dirty="0"/>
           </a:p>
           <a:p>
-            <a:pPr lvl="1"/>
+            <a:pPr lvl="1">
+              <a:buFont typeface="Arial" panose="020B0604020202020204" pitchFamily="34" charset="0"/>
+              <a:buChar char="•"/>
+            </a:pPr>
             <a:r>
               <a:rPr lang="de-DE" sz="1600" dirty="0" err="1"/>
               <a:t>OnDomReadyHeaderItem</a:t>
@@ -12735,7 +12878,10 @@
             <a:endParaRPr lang="de-DE" sz="1600" dirty="0"/>
           </a:p>
           <a:p>
-            <a:pPr lvl="1"/>
+            <a:pPr lvl="1">
+              <a:buFont typeface="Arial" panose="020B0604020202020204" pitchFamily="34" charset="0"/>
+              <a:buChar char="•"/>
+            </a:pPr>
             <a:r>
               <a:rPr lang="de-DE" sz="1600" dirty="0" err="1"/>
               <a:t>PriorityHeaderItem</a:t>
@@ -12743,13 +12889,20 @@
             <a:endParaRPr lang="de-DE" sz="1600" dirty="0"/>
           </a:p>
           <a:p>
-            <a:pPr lvl="1"/>
+            <a:pPr lvl="1">
+              <a:buFont typeface="Arial" panose="020B0604020202020204" pitchFamily="34" charset="0"/>
+              <a:buChar char="•"/>
+            </a:pPr>
             <a:r>
               <a:rPr lang="de-DE" sz="1600" dirty="0"/>
               <a:t>…</a:t>
             </a:r>
           </a:p>
           <a:p>
+            <a:pPr>
+              <a:buFont typeface="Arial" panose="020B0604020202020204" pitchFamily="34" charset="0"/>
+              <a:buChar char="•"/>
+            </a:pPr>
             <a:r>
               <a:rPr lang="de-DE" sz="2000" dirty="0"/>
               <a:t>Jede Komponente ist selbst </a:t>
@@ -12859,6 +13012,10 @@
             <a:endParaRPr lang="de-DE" sz="2000" b="1" dirty="0"/>
           </a:p>
           <a:p>
+            <a:pPr>
+              <a:buFont typeface="Arial" panose="020B0604020202020204" pitchFamily="34" charset="0"/>
+              <a:buChar char="•"/>
+            </a:pPr>
             <a:r>
               <a:rPr lang="de-DE" sz="2000" dirty="0"/>
               <a:t>Java</a:t>
@@ -13601,6 +13758,10 @@
             </a:r>
           </a:p>
           <a:p>
+            <a:pPr>
+              <a:buFont typeface="Arial" panose="020B0604020202020204" pitchFamily="34" charset="0"/>
+              <a:buChar char="•"/>
+            </a:pPr>
             <a:r>
               <a:rPr lang="de-DE" sz="2000" u="sng" dirty="0"/>
               <a:t>Zusammenfassung</a:t>
@@ -13619,6 +13780,10 @@
             </a:r>
           </a:p>
           <a:p>
+            <a:pPr>
+              <a:buFont typeface="Arial" panose="020B0604020202020204" pitchFamily="34" charset="0"/>
+              <a:buChar char="•"/>
+            </a:pPr>
             <a:r>
               <a:rPr lang="de-DE" sz="2000" dirty="0"/>
               <a:t>Nicht zu verwechseln mit Java </a:t>
@@ -13633,6 +13798,10 @@
             </a:r>
           </a:p>
           <a:p>
+            <a:pPr>
+              <a:buFont typeface="Arial" panose="020B0604020202020204" pitchFamily="34" charset="0"/>
+              <a:buChar char="•"/>
+            </a:pPr>
             <a:r>
               <a:rPr lang="de-DE" sz="2000" dirty="0"/>
               <a:t>Registrierung in </a:t>
@@ -13647,6 +13816,10 @@
             </a:r>
           </a:p>
           <a:p>
+            <a:pPr>
+              <a:buFont typeface="Arial" panose="020B0604020202020204" pitchFamily="34" charset="0"/>
+              <a:buChar char="•"/>
+            </a:pPr>
             <a:r>
               <a:rPr lang="de-DE" sz="2000" dirty="0"/>
               <a:t>Applikationsweite Verwendung</a:t>
@@ -13747,6 +13920,10 @@
             </a:r>
           </a:p>
           <a:p>
+            <a:pPr>
+              <a:buFont typeface="Arial" panose="020B0604020202020204" pitchFamily="34" charset="0"/>
+              <a:buChar char="•"/>
+            </a:pPr>
             <a:r>
               <a:rPr lang="de-DE" sz="2000" dirty="0"/>
               <a:t>Java</a:t>

--- a/slides/Tag-2_5-Bestandteile_Ressources.pptx
+++ b/slides/Tag-2_5-Bestandteile_Ressources.pptx
@@ -4934,7 +4934,7 @@
               <a:pPr algn="ctr">
                 <a:defRPr/>
               </a:pPr>
-              <a:t>15.03.2019</a:t>
+              <a:t>20.03.2019</a:t>
             </a:fld>
             <a:endParaRPr lang="de-DE" sz="1000" dirty="0">
               <a:solidFill>
@@ -6842,8 +6842,8 @@
         </p:nvSpPr>
         <p:spPr>
           <a:xfrm>
-            <a:off x="303213" y="1341438"/>
-            <a:ext cx="8589962" cy="4824412"/>
+            <a:off x="303212" y="1341438"/>
+            <a:ext cx="8840787" cy="4824412"/>
           </a:xfrm>
         </p:spPr>
         <p:txBody>
@@ -7071,7 +7071,7 @@
                 <a:latin typeface="Consolas" panose="020B0609020204030204" pitchFamily="49" charset="0"/>
                 <a:cs typeface="Consolas" panose="020B0609020204030204" pitchFamily="49" charset="0"/>
               </a:rPr>
-              <a:t> = </a:t>
+              <a:t> =     </a:t>
             </a:r>
             <a:r>
               <a:rPr lang="de-DE" altLang="de-DE" sz="1400" dirty="0" err="1">
@@ -7161,7 +7161,7 @@
                 <a:latin typeface="Consolas" panose="020B0609020204030204" pitchFamily="49" charset="0"/>
                 <a:cs typeface="Consolas" panose="020B0609020204030204" pitchFamily="49" charset="0"/>
               </a:rPr>
-              <a:t>/Video.mp4"</a:t>
+              <a:t>/MyVideo.mp4"</a:t>
             </a:r>
             <a:r>
               <a:rPr lang="de-DE" altLang="de-DE" sz="1400" dirty="0">
@@ -7364,7 +7364,7 @@
                 <a:latin typeface="Consolas" panose="020B0609020204030204" pitchFamily="49" charset="0"/>
                 <a:cs typeface="Consolas" panose="020B0609020204030204" pitchFamily="49" charset="0"/>
               </a:rPr>
-              <a:t>video</a:t>
+              <a:t>myvideo</a:t>
             </a:r>
             <a:r>
               <a:rPr lang="de-DE" altLang="de-DE" sz="1400" b="1" dirty="0">
@@ -9696,7 +9696,7 @@
         <p:spPr>
           <a:xfrm>
             <a:off x="303213" y="1341438"/>
-            <a:ext cx="8589962" cy="4824412"/>
+            <a:ext cx="8517259" cy="4824412"/>
           </a:xfrm>
         </p:spPr>
         <p:txBody>
@@ -12000,105 +12000,6 @@
                 <a:cs typeface="Consolas" panose="020B0609020204030204" pitchFamily="49" charset="0"/>
               </a:rPr>
               <a:t>,</a:t>
-            </a:r>
-            <a:br>
-              <a:rPr lang="de-DE" altLang="de-DE" sz="1600" dirty="0">
-                <a:solidFill>
-                  <a:srgbClr val="000000"/>
-                </a:solidFill>
-                <a:latin typeface="Consolas" panose="020B0609020204030204" pitchFamily="49" charset="0"/>
-                <a:cs typeface="Consolas" panose="020B0609020204030204" pitchFamily="49" charset="0"/>
-              </a:rPr>
-            </a:br>
-            <a:r>
-              <a:rPr lang="de-DE" altLang="de-DE" sz="1600" dirty="0">
-                <a:solidFill>
-                  <a:srgbClr val="000000"/>
-                </a:solidFill>
-                <a:latin typeface="Consolas" panose="020B0609020204030204" pitchFamily="49" charset="0"/>
-                <a:cs typeface="Consolas" panose="020B0609020204030204" pitchFamily="49" charset="0"/>
-              </a:rPr>
-              <a:t>                </a:t>
-            </a:r>
-            <a:r>
-              <a:rPr lang="de-DE" altLang="de-DE" sz="1600" b="1" dirty="0" err="1">
-                <a:solidFill>
-                  <a:srgbClr val="000080"/>
-                </a:solidFill>
-                <a:latin typeface="Consolas" panose="020B0609020204030204" pitchFamily="49" charset="0"/>
-                <a:cs typeface="Consolas" panose="020B0609020204030204" pitchFamily="49" charset="0"/>
-              </a:rPr>
-              <a:t>new</a:t>
-            </a:r>
-            <a:r>
-              <a:rPr lang="de-DE" altLang="de-DE" sz="1600" b="1" dirty="0">
-                <a:solidFill>
-                  <a:srgbClr val="000080"/>
-                </a:solidFill>
-                <a:latin typeface="Consolas" panose="020B0609020204030204" pitchFamily="49" charset="0"/>
-                <a:cs typeface="Consolas" panose="020B0609020204030204" pitchFamily="49" charset="0"/>
-              </a:rPr>
-              <a:t> </a:t>
-            </a:r>
-            <a:r>
-              <a:rPr lang="de-DE" altLang="de-DE" sz="1600" dirty="0" err="1">
-                <a:solidFill>
-                  <a:srgbClr val="000000"/>
-                </a:solidFill>
-                <a:latin typeface="Consolas" panose="020B0609020204030204" pitchFamily="49" charset="0"/>
-                <a:cs typeface="Consolas" panose="020B0609020204030204" pitchFamily="49" charset="0"/>
-              </a:rPr>
-              <a:t>PackageResourceReference</a:t>
-            </a:r>
-            <a:r>
-              <a:rPr lang="de-DE" altLang="de-DE" sz="1600" dirty="0">
-                <a:solidFill>
-                  <a:srgbClr val="000000"/>
-                </a:solidFill>
-                <a:latin typeface="Consolas" panose="020B0609020204030204" pitchFamily="49" charset="0"/>
-                <a:cs typeface="Consolas" panose="020B0609020204030204" pitchFamily="49" charset="0"/>
-              </a:rPr>
-              <a:t>(</a:t>
-            </a:r>
-            <a:r>
-              <a:rPr lang="de-DE" altLang="de-DE" sz="1600" dirty="0" err="1">
-                <a:solidFill>
-                  <a:srgbClr val="000000"/>
-                </a:solidFill>
-                <a:latin typeface="Consolas" panose="020B0609020204030204" pitchFamily="49" charset="0"/>
-                <a:cs typeface="Consolas" panose="020B0609020204030204" pitchFamily="49" charset="0"/>
-              </a:rPr>
-              <a:t>getClass</a:t>
-            </a:r>
-            <a:r>
-              <a:rPr lang="de-DE" altLang="de-DE" sz="1600" dirty="0">
-                <a:solidFill>
-                  <a:srgbClr val="000000"/>
-                </a:solidFill>
-                <a:latin typeface="Consolas" panose="020B0609020204030204" pitchFamily="49" charset="0"/>
-                <a:cs typeface="Consolas" panose="020B0609020204030204" pitchFamily="49" charset="0"/>
-              </a:rPr>
-              <a:t>(),</a:t>
-            </a:r>
-            <a:r>
-              <a:rPr lang="de-DE" altLang="de-DE" sz="1600" b="1" dirty="0">
-                <a:solidFill>
-                  <a:srgbClr val="008000"/>
-                </a:solidFill>
-                <a:latin typeface="Consolas" panose="020B0609020204030204" pitchFamily="49" charset="0"/>
-                <a:cs typeface="Consolas" panose="020B0609020204030204" pitchFamily="49" charset="0"/>
-              </a:rPr>
-              <a:t>"small.jpg"</a:t>
-            </a:r>
-            <a:r>
-              <a:rPr lang="de-DE" altLang="de-DE" sz="1600" dirty="0">
-                <a:solidFill>
-                  <a:srgbClr val="000000"/>
-                </a:solidFill>
-                <a:latin typeface="Consolas" panose="020B0609020204030204" pitchFamily="49" charset="0"/>
-                <a:cs typeface="Consolas" panose="020B0609020204030204" pitchFamily="49" charset="0"/>
-              </a:rPr>
-              <a:t>),</a:t>
             </a:r>
             <a:br>
               <a:rPr lang="de-DE" altLang="de-DE" sz="1600" dirty="0">
